--- a/docs/NutriSoft - Proyecto Final.pptx
+++ b/docs/NutriSoft - Proyecto Final.pptx
@@ -341,7 +341,7 @@
             <a:fld id="{1D8BD707-D9CF-40AE-B4C6-C98DA3205C09}" type="datetimeFigureOut">
               <a:rPr lang="en-US" smtClean="0"/>
               <a:pPr/>
-              <a:t>12/12/2023</a:t>
+              <a:t>12/16/2023</a:t>
             </a:fld>
             <a:endParaRPr lang="en-US"/>
           </a:p>
@@ -506,7 +506,7 @@
             <a:fld id="{1D8BD707-D9CF-40AE-B4C6-C98DA3205C09}" type="datetimeFigureOut">
               <a:rPr lang="en-US" smtClean="0"/>
               <a:pPr/>
-              <a:t>12/12/2023</a:t>
+              <a:t>12/16/2023</a:t>
             </a:fld>
             <a:endParaRPr lang="en-US"/>
           </a:p>
@@ -681,7 +681,7 @@
             <a:fld id="{1D8BD707-D9CF-40AE-B4C6-C98DA3205C09}" type="datetimeFigureOut">
               <a:rPr lang="en-US" smtClean="0"/>
               <a:pPr/>
-              <a:t>12/12/2023</a:t>
+              <a:t>12/16/2023</a:t>
             </a:fld>
             <a:endParaRPr lang="en-US"/>
           </a:p>
@@ -846,7 +846,7 @@
             <a:fld id="{1D8BD707-D9CF-40AE-B4C6-C98DA3205C09}" type="datetimeFigureOut">
               <a:rPr lang="en-US" smtClean="0"/>
               <a:pPr/>
-              <a:t>12/12/2023</a:t>
+              <a:t>12/16/2023</a:t>
             </a:fld>
             <a:endParaRPr lang="en-US"/>
           </a:p>
@@ -1088,7 +1088,7 @@
             <a:fld id="{1D8BD707-D9CF-40AE-B4C6-C98DA3205C09}" type="datetimeFigureOut">
               <a:rPr lang="en-US" smtClean="0"/>
               <a:pPr/>
-              <a:t>12/12/2023</a:t>
+              <a:t>12/16/2023</a:t>
             </a:fld>
             <a:endParaRPr lang="en-US"/>
           </a:p>
@@ -1370,7 +1370,7 @@
             <a:fld id="{1D8BD707-D9CF-40AE-B4C6-C98DA3205C09}" type="datetimeFigureOut">
               <a:rPr lang="en-US" smtClean="0"/>
               <a:pPr/>
-              <a:t>12/12/2023</a:t>
+              <a:t>12/16/2023</a:t>
             </a:fld>
             <a:endParaRPr lang="en-US"/>
           </a:p>
@@ -1786,7 +1786,7 @@
             <a:fld id="{1D8BD707-D9CF-40AE-B4C6-C98DA3205C09}" type="datetimeFigureOut">
               <a:rPr lang="en-US" smtClean="0"/>
               <a:pPr/>
-              <a:t>12/12/2023</a:t>
+              <a:t>12/16/2023</a:t>
             </a:fld>
             <a:endParaRPr lang="en-US"/>
           </a:p>
@@ -1900,7 +1900,7 @@
             <a:fld id="{1D8BD707-D9CF-40AE-B4C6-C98DA3205C09}" type="datetimeFigureOut">
               <a:rPr lang="en-US" smtClean="0"/>
               <a:pPr/>
-              <a:t>12/12/2023</a:t>
+              <a:t>12/16/2023</a:t>
             </a:fld>
             <a:endParaRPr lang="en-US"/>
           </a:p>
@@ -1992,7 +1992,7 @@
             <a:fld id="{1D8BD707-D9CF-40AE-B4C6-C98DA3205C09}" type="datetimeFigureOut">
               <a:rPr lang="en-US" smtClean="0"/>
               <a:pPr/>
-              <a:t>12/12/2023</a:t>
+              <a:t>12/16/2023</a:t>
             </a:fld>
             <a:endParaRPr lang="en-US"/>
           </a:p>
@@ -2264,7 +2264,7 @@
             <a:fld id="{1D8BD707-D9CF-40AE-B4C6-C98DA3205C09}" type="datetimeFigureOut">
               <a:rPr lang="en-US" smtClean="0"/>
               <a:pPr/>
-              <a:t>12/12/2023</a:t>
+              <a:t>12/16/2023</a:t>
             </a:fld>
             <a:endParaRPr lang="en-US"/>
           </a:p>
@@ -2513,7 +2513,7 @@
             <a:fld id="{1D8BD707-D9CF-40AE-B4C6-C98DA3205C09}" type="datetimeFigureOut">
               <a:rPr lang="en-US" smtClean="0"/>
               <a:pPr/>
-              <a:t>12/12/2023</a:t>
+              <a:t>12/16/2023</a:t>
             </a:fld>
             <a:endParaRPr lang="en-US"/>
           </a:p>
@@ -2721,7 +2721,7 @@
             <a:fld id="{1D8BD707-D9CF-40AE-B4C6-C98DA3205C09}" type="datetimeFigureOut">
               <a:rPr lang="en-US" smtClean="0"/>
               <a:pPr/>
-              <a:t>12/12/2023</a:t>
+              <a:t>12/16/2023</a:t>
             </a:fld>
             <a:endParaRPr lang="en-US"/>
           </a:p>
@@ -5550,7 +5550,7 @@
         <p:spPr>
           <a:xfrm>
             <a:off x="1967055" y="2342643"/>
-            <a:ext cx="14353887" cy="8065734"/>
+            <a:ext cx="14353887" cy="6013890"/>
           </a:xfrm>
           <a:prstGeom prst="rect">
             <a:avLst/>
@@ -5596,39 +5596,6 @@
               </a:rPr>
               <a:t>Solicitud de turnos online.</a:t>
             </a:r>
-          </a:p>
-          <a:p>
-            <a:pPr marL="690876" lvl="1" indent="-345438">
-              <a:lnSpc>
-                <a:spcPts val="7999"/>
-              </a:lnSpc>
-              <a:buFont typeface="Arial"/>
-              <a:buChar char="•"/>
-            </a:pPr>
-            <a:r>
-              <a:rPr lang="es-AR" sz="3199" spc="-89" dirty="0">
-                <a:solidFill>
-                  <a:srgbClr val="FFFFFF"/>
-                </a:solidFill>
-                <a:latin typeface="Poppins Medium"/>
-              </a:rPr>
-              <a:t>Seguimiento de pacientes.</a:t>
-            </a:r>
-          </a:p>
-          <a:p>
-            <a:pPr marL="690876" lvl="1" indent="-345438">
-              <a:lnSpc>
-                <a:spcPts val="7999"/>
-              </a:lnSpc>
-              <a:buFont typeface="Arial"/>
-              <a:buChar char="•"/>
-            </a:pPr>
-            <a:endParaRPr lang="es-AR" sz="3199" spc="-89" dirty="0">
-              <a:solidFill>
-                <a:srgbClr val="FFFFFF"/>
-              </a:solidFill>
-              <a:latin typeface="Poppins Medium"/>
-            </a:endParaRPr>
           </a:p>
           <a:p>
             <a:pPr marL="690876" lvl="1" indent="-345438">
@@ -7393,7 +7360,7 @@
                 </a:solidFill>
                 <a:latin typeface="Poppins Medium"/>
               </a:rPr>
-              <a:t> PHP</a:t>
+              <a:t> PHP 8.2.0</a:t>
             </a:r>
           </a:p>
           <a:p>
@@ -7420,7 +7387,7 @@
                 </a:solidFill>
                 <a:latin typeface="Poppins Medium"/>
               </a:rPr>
-              <a:t> Laravel 9</a:t>
+              <a:t> Laravel 9.52.15</a:t>
             </a:r>
           </a:p>
           <a:p>
@@ -7615,7 +7582,7 @@
         </p:nvSpPr>
         <p:spPr>
           <a:xfrm>
-            <a:off x="8205644" y="7688939"/>
+            <a:off x="9517469" y="7915221"/>
             <a:ext cx="4431436" cy="2215718"/>
           </a:xfrm>
           <a:custGeom>

--- a/docs/NutriSoft - Proyecto Final.pptx
+++ b/docs/NutriSoft - Proyecto Final.pptx
@@ -341,7 +341,7 @@
             <a:fld id="{1D8BD707-D9CF-40AE-B4C6-C98DA3205C09}" type="datetimeFigureOut">
               <a:rPr lang="en-US" smtClean="0"/>
               <a:pPr/>
-              <a:t>12/16/2023</a:t>
+              <a:t>12/17/2023</a:t>
             </a:fld>
             <a:endParaRPr lang="en-US"/>
           </a:p>
@@ -506,7 +506,7 @@
             <a:fld id="{1D8BD707-D9CF-40AE-B4C6-C98DA3205C09}" type="datetimeFigureOut">
               <a:rPr lang="en-US" smtClean="0"/>
               <a:pPr/>
-              <a:t>12/16/2023</a:t>
+              <a:t>12/17/2023</a:t>
             </a:fld>
             <a:endParaRPr lang="en-US"/>
           </a:p>
@@ -681,7 +681,7 @@
             <a:fld id="{1D8BD707-D9CF-40AE-B4C6-C98DA3205C09}" type="datetimeFigureOut">
               <a:rPr lang="en-US" smtClean="0"/>
               <a:pPr/>
-              <a:t>12/16/2023</a:t>
+              <a:t>12/17/2023</a:t>
             </a:fld>
             <a:endParaRPr lang="en-US"/>
           </a:p>
@@ -846,7 +846,7 @@
             <a:fld id="{1D8BD707-D9CF-40AE-B4C6-C98DA3205C09}" type="datetimeFigureOut">
               <a:rPr lang="en-US" smtClean="0"/>
               <a:pPr/>
-              <a:t>12/16/2023</a:t>
+              <a:t>12/17/2023</a:t>
             </a:fld>
             <a:endParaRPr lang="en-US"/>
           </a:p>
@@ -1088,7 +1088,7 @@
             <a:fld id="{1D8BD707-D9CF-40AE-B4C6-C98DA3205C09}" type="datetimeFigureOut">
               <a:rPr lang="en-US" smtClean="0"/>
               <a:pPr/>
-              <a:t>12/16/2023</a:t>
+              <a:t>12/17/2023</a:t>
             </a:fld>
             <a:endParaRPr lang="en-US"/>
           </a:p>
@@ -1370,7 +1370,7 @@
             <a:fld id="{1D8BD707-D9CF-40AE-B4C6-C98DA3205C09}" type="datetimeFigureOut">
               <a:rPr lang="en-US" smtClean="0"/>
               <a:pPr/>
-              <a:t>12/16/2023</a:t>
+              <a:t>12/17/2023</a:t>
             </a:fld>
             <a:endParaRPr lang="en-US"/>
           </a:p>
@@ -1786,7 +1786,7 @@
             <a:fld id="{1D8BD707-D9CF-40AE-B4C6-C98DA3205C09}" type="datetimeFigureOut">
               <a:rPr lang="en-US" smtClean="0"/>
               <a:pPr/>
-              <a:t>12/16/2023</a:t>
+              <a:t>12/17/2023</a:t>
             </a:fld>
             <a:endParaRPr lang="en-US"/>
           </a:p>
@@ -1900,7 +1900,7 @@
             <a:fld id="{1D8BD707-D9CF-40AE-B4C6-C98DA3205C09}" type="datetimeFigureOut">
               <a:rPr lang="en-US" smtClean="0"/>
               <a:pPr/>
-              <a:t>12/16/2023</a:t>
+              <a:t>12/17/2023</a:t>
             </a:fld>
             <a:endParaRPr lang="en-US"/>
           </a:p>
@@ -1992,7 +1992,7 @@
             <a:fld id="{1D8BD707-D9CF-40AE-B4C6-C98DA3205C09}" type="datetimeFigureOut">
               <a:rPr lang="en-US" smtClean="0"/>
               <a:pPr/>
-              <a:t>12/16/2023</a:t>
+              <a:t>12/17/2023</a:t>
             </a:fld>
             <a:endParaRPr lang="en-US"/>
           </a:p>
@@ -2264,7 +2264,7 @@
             <a:fld id="{1D8BD707-D9CF-40AE-B4C6-C98DA3205C09}" type="datetimeFigureOut">
               <a:rPr lang="en-US" smtClean="0"/>
               <a:pPr/>
-              <a:t>12/16/2023</a:t>
+              <a:t>12/17/2023</a:t>
             </a:fld>
             <a:endParaRPr lang="en-US"/>
           </a:p>
@@ -2513,7 +2513,7 @@
             <a:fld id="{1D8BD707-D9CF-40AE-B4C6-C98DA3205C09}" type="datetimeFigureOut">
               <a:rPr lang="en-US" smtClean="0"/>
               <a:pPr/>
-              <a:t>12/16/2023</a:t>
+              <a:t>12/17/2023</a:t>
             </a:fld>
             <a:endParaRPr lang="en-US"/>
           </a:p>
@@ -2721,7 +2721,7 @@
             <a:fld id="{1D8BD707-D9CF-40AE-B4C6-C98DA3205C09}" type="datetimeFigureOut">
               <a:rPr lang="en-US" smtClean="0"/>
               <a:pPr/>
-              <a:t>12/16/2023</a:t>
+              <a:t>12/17/2023</a:t>
             </a:fld>
             <a:endParaRPr lang="en-US"/>
           </a:p>
@@ -4881,7 +4881,7 @@
         <p:spPr>
           <a:xfrm>
             <a:off x="9144000" y="2533500"/>
-            <a:ext cx="8746958" cy="4976812"/>
+            <a:ext cx="8746958" cy="3976538"/>
           </a:xfrm>
           <a:prstGeom prst="rect">
             <a:avLst/>
@@ -4998,24 +4998,6 @@
                 <a:latin typeface="Poppins Medium"/>
               </a:rPr>
               <a:t>Cálculos automáticos de valores nutricionales y peso ideal</a:t>
-            </a:r>
-          </a:p>
-          <a:p>
-            <a:pPr marL="604390" lvl="1" indent="-302195" algn="l">
-              <a:lnSpc>
-                <a:spcPts val="3919"/>
-              </a:lnSpc>
-              <a:buFont typeface="Arial"/>
-              <a:buChar char="•"/>
-            </a:pPr>
-            <a:r>
-              <a:rPr lang="es-AR" sz="2799" spc="-78" dirty="0">
-                <a:solidFill>
-                  <a:srgbClr val="000000"/>
-                </a:solidFill>
-                <a:latin typeface="Poppins Medium"/>
-              </a:rPr>
-              <a:t>Registro de alimentos y recetas con sus valores nutricionales</a:t>
             </a:r>
           </a:p>
         </p:txBody>
@@ -5550,7 +5532,7 @@
         <p:spPr>
           <a:xfrm>
             <a:off x="1967055" y="2342643"/>
-            <a:ext cx="14353887" cy="6013890"/>
+            <a:ext cx="14353887" cy="7039812"/>
           </a:xfrm>
           <a:prstGeom prst="rect">
             <a:avLst/>
@@ -5595,6 +5577,24 @@
                 <a:latin typeface="Poppins Medium"/>
               </a:rPr>
               <a:t>Solicitud de turnos online.</a:t>
+            </a:r>
+          </a:p>
+          <a:p>
+            <a:pPr marL="690876" lvl="1" indent="-345438">
+              <a:lnSpc>
+                <a:spcPts val="7999"/>
+              </a:lnSpc>
+              <a:buFont typeface="Arial"/>
+              <a:buChar char="•"/>
+            </a:pPr>
+            <a:r>
+              <a:rPr lang="es-AR" sz="3199" spc="-89" dirty="0">
+                <a:solidFill>
+                  <a:srgbClr val="FFFFFF"/>
+                </a:solidFill>
+                <a:latin typeface="Poppins Medium"/>
+              </a:rPr>
+              <a:t>Seguimiento para los pacientes.</a:t>
             </a:r>
           </a:p>
           <a:p>
@@ -7387,7 +7387,7 @@
                 </a:solidFill>
                 <a:latin typeface="Poppins Medium"/>
               </a:rPr>
-              <a:t> Laravel 9.52.15</a:t>
+              <a:t> Laravel 9</a:t>
             </a:r>
           </a:p>
           <a:p>
